--- a/授業資料/C++課題提出方法.pptx
+++ b/授業資料/C++課題提出方法.pptx
@@ -4739,6 +4739,68 @@
           </a:ln>
         </p:spPr>
       </p:pic>
+      <p:sp>
+        <p:nvSpPr>
+          <p:cNvPr id="2" name="テキスト ボックス 1">
+            <a:extLst>
+              <a:ext uri="{FF2B5EF4-FFF2-40B4-BE49-F238E27FC236}">
+                <a16:creationId xmlns:a16="http://schemas.microsoft.com/office/drawing/2014/main" id="{EE86F792-EA0D-07A9-B80D-48057D183E45}"/>
+              </a:ext>
+            </a:extLst>
+          </p:cNvPr>
+          <p:cNvSpPr txBox="1"/>
+          <p:nvPr/>
+        </p:nvSpPr>
+        <p:spPr>
+          <a:xfrm>
+            <a:off x="155865" y="5357915"/>
+            <a:ext cx="2860078" cy="1323439"/>
+          </a:xfrm>
+          <a:prstGeom prst="rect">
+            <a:avLst/>
+          </a:prstGeom>
+          <a:noFill/>
+        </p:spPr>
+        <p:txBody>
+          <a:bodyPr wrap="none" rtlCol="0">
+            <a:spAutoFit/>
+          </a:bodyPr>
+          <a:lstStyle/>
+          <a:p>
+            <a:r>
+              <a:rPr kumimoji="1" lang="ja-JP" altLang="en-US" sz="4000" b="1" dirty="0">
+                <a:solidFill>
+                  <a:srgbClr val="FF0000"/>
+                </a:solidFill>
+              </a:rPr>
+              <a:t>締め切り</a:t>
+            </a:r>
+            <a:endParaRPr kumimoji="1" lang="en-US" altLang="ja-JP" sz="4000" b="1" dirty="0">
+              <a:solidFill>
+                <a:srgbClr val="FF0000"/>
+              </a:solidFill>
+            </a:endParaRPr>
+          </a:p>
+          <a:p>
+            <a:r>
+              <a:rPr kumimoji="1" lang="en-US" altLang="ja-JP" sz="4000" b="1" dirty="0">
+                <a:solidFill>
+                  <a:srgbClr val="FF0000"/>
+                </a:solidFill>
+              </a:rPr>
+              <a:t>2/10</a:t>
+            </a:r>
+            <a:r>
+              <a:rPr kumimoji="1" lang="ja-JP" altLang="en-US" sz="4000" b="1" dirty="0">
+                <a:solidFill>
+                  <a:srgbClr val="FF0000"/>
+                </a:solidFill>
+              </a:rPr>
+              <a:t>（月）</a:t>
+            </a:r>
+          </a:p>
+        </p:txBody>
+      </p:sp>
     </p:spTree>
     <p:extLst>
       <p:ext uri="{BB962C8B-B14F-4D97-AF65-F5344CB8AC3E}">
